--- a/Common-and-Prerequisite-Material/Module_Legal/Lesson_2_LegalAspects_Intellectual_Property.pptx
+++ b/Common-and-Prerequisite-Material/Module_Legal/Lesson_2_LegalAspects_Intellectual_Property.pptx
@@ -283,7 +283,7 @@
               <a:pPr>
                 <a:defRPr/>
               </a:pPr>
-              <a:t>3/27/2018</a:t>
+              <a:t>4/19/18</a:t>
             </a:fld>
             <a:endParaRPr lang="en-US"/>
           </a:p>
@@ -3096,7 +3096,7 @@
           <p:cNvPr id="2" name="Title 1">
             <a:extLst>
               <a:ext uri="{FF2B5EF4-FFF2-40B4-BE49-F238E27FC236}">
-                <a16:creationId xmlns:a16="http://schemas.microsoft.com/office/drawing/2014/main" id="{5C287DE2-E1A2-4F41-96FE-94AF4425CB03}"/>
+                <a16:creationId xmlns="" xmlns:a16="http://schemas.microsoft.com/office/drawing/2014/main" id="{5C287DE2-E1A2-4F41-96FE-94AF4425CB03}"/>
               </a:ext>
             </a:extLst>
           </p:cNvPr>
@@ -3121,6 +3121,10 @@
             </a:lvl1pPr>
           </a:lstStyle>
           <a:p>
+            <a:r>
+              <a:rPr lang="en-US" dirty="0"/>
+              <a:t/>
+            </a:r>
             <a:br>
               <a:rPr lang="en-US" dirty="0"/>
             </a:br>
@@ -3131,27 +3135,59 @@
             <a:br>
               <a:rPr lang="en-US" dirty="0"/>
             </a:br>
+            <a:r>
+              <a:rPr lang="en-US" dirty="0"/>
+              <a:t/>
+            </a:r>
             <a:br>
               <a:rPr lang="en-US" dirty="0"/>
             </a:br>
+            <a:r>
+              <a:rPr lang="en-US" dirty="0"/>
+              <a:t/>
+            </a:r>
             <a:br>
               <a:rPr lang="en-US" dirty="0"/>
             </a:br>
+            <a:r>
+              <a:rPr lang="en-US" dirty="0"/>
+              <a:t/>
+            </a:r>
             <a:br>
               <a:rPr lang="en-US" dirty="0"/>
             </a:br>
+            <a:r>
+              <a:rPr lang="en-US" dirty="0"/>
+              <a:t/>
+            </a:r>
             <a:br>
               <a:rPr lang="en-US" dirty="0"/>
             </a:br>
+            <a:r>
+              <a:rPr lang="en-US" dirty="0"/>
+              <a:t/>
+            </a:r>
             <a:br>
               <a:rPr lang="en-US" dirty="0"/>
             </a:br>
+            <a:r>
+              <a:rPr lang="en-US" dirty="0"/>
+              <a:t/>
+            </a:r>
             <a:br>
               <a:rPr lang="en-US" dirty="0"/>
             </a:br>
+            <a:r>
+              <a:rPr lang="en-US" dirty="0"/>
+              <a:t/>
+            </a:r>
             <a:br>
               <a:rPr lang="en-US" dirty="0"/>
             </a:br>
+            <a:r>
+              <a:rPr lang="en-US" dirty="0"/>
+              <a:t/>
+            </a:r>
             <a:br>
               <a:rPr lang="en-US" dirty="0"/>
             </a:br>
@@ -3162,6 +3198,10 @@
             <a:br>
               <a:rPr lang="en-US" dirty="0"/>
             </a:br>
+            <a:r>
+              <a:rPr lang="en-US" dirty="0"/>
+              <a:t/>
+            </a:r>
             <a:br>
               <a:rPr lang="en-US" dirty="0"/>
             </a:br>
@@ -3172,6 +3212,10 @@
             <a:br>
               <a:rPr lang="en-US" dirty="0"/>
             </a:br>
+            <a:r>
+              <a:rPr lang="en-US" dirty="0"/>
+              <a:t/>
+            </a:r>
             <a:br>
               <a:rPr lang="en-US" dirty="0"/>
             </a:br>
@@ -3191,7 +3235,7 @@
           <p:cNvPr id="3" name="Slide Number Placeholder 2">
             <a:extLst>
               <a:ext uri="{FF2B5EF4-FFF2-40B4-BE49-F238E27FC236}">
-                <a16:creationId xmlns:a16="http://schemas.microsoft.com/office/drawing/2014/main" id="{7D2FFADE-E1BC-48C1-83AA-6DDDD39A33C4}"/>
+                <a16:creationId xmlns="" xmlns:a16="http://schemas.microsoft.com/office/drawing/2014/main" id="{7D2FFADE-E1BC-48C1-83AA-6DDDD39A33C4}"/>
               </a:ext>
             </a:extLst>
           </p:cNvPr>
@@ -3226,7 +3270,7 @@
           <p:cNvPr id="9" name="Picture 8">
             <a:extLst>
               <a:ext uri="{FF2B5EF4-FFF2-40B4-BE49-F238E27FC236}">
-                <a16:creationId xmlns:a16="http://schemas.microsoft.com/office/drawing/2014/main" id="{9CBFC76A-A606-42CF-BCDF-C73975C150B9}"/>
+                <a16:creationId xmlns="" xmlns:a16="http://schemas.microsoft.com/office/drawing/2014/main" id="{9CBFC76A-A606-42CF-BCDF-C73975C150B9}"/>
               </a:ext>
             </a:extLst>
           </p:cNvPr>
@@ -4192,6 +4236,14 @@
           <a:bodyPr/>
           <a:lstStyle/>
           <a:p>
+            <a:r>
+              <a:rPr lang="en-US" dirty="0">
+                <a:solidFill>
+                  <a:srgbClr val="FF00FF"/>
+                </a:solidFill>
+              </a:rPr>
+              <a:t/>
+            </a:r>
             <a:br>
               <a:rPr lang="en-US" dirty="0">
                 <a:solidFill>
@@ -4199,6 +4251,14 @@
                 </a:solidFill>
               </a:rPr>
             </a:br>
+            <a:r>
+              <a:rPr lang="en-US" dirty="0">
+                <a:solidFill>
+                  <a:srgbClr val="FF00FF"/>
+                </a:solidFill>
+              </a:rPr>
+              <a:t/>
+            </a:r>
             <a:br>
               <a:rPr lang="en-US" dirty="0">
                 <a:solidFill>
@@ -4230,7 +4290,15 @@
           <a:p>
             <a:r>
               <a:rPr lang="en-US" dirty="0"/>
-              <a:t>Lesson 1: Intellectual Property</a:t>
+              <a:t>Lesson </a:t>
+            </a:r>
+            <a:r>
+              <a:rPr lang="en-US" dirty="0" smtClean="0"/>
+              <a:t>2: </a:t>
+            </a:r>
+            <a:r>
+              <a:rPr lang="en-US" dirty="0"/>
+              <a:t>Intellectual Property</a:t>
             </a:r>
           </a:p>
         </p:txBody>
@@ -4268,7 +4336,7 @@
           <p:cNvPr id="2" name="Title 1">
             <a:extLst>
               <a:ext uri="{FF2B5EF4-FFF2-40B4-BE49-F238E27FC236}">
-                <a16:creationId xmlns:a16="http://schemas.microsoft.com/office/drawing/2014/main" id="{450B9C16-5348-43F8-A692-EC18E36BDDD6}"/>
+                <a16:creationId xmlns="" xmlns:a16="http://schemas.microsoft.com/office/drawing/2014/main" id="{450B9C16-5348-43F8-A692-EC18E36BDDD6}"/>
               </a:ext>
             </a:extLst>
           </p:cNvPr>
@@ -4296,7 +4364,7 @@
           <p:cNvPr id="3" name="Content Placeholder 2">
             <a:extLst>
               <a:ext uri="{FF2B5EF4-FFF2-40B4-BE49-F238E27FC236}">
-                <a16:creationId xmlns:a16="http://schemas.microsoft.com/office/drawing/2014/main" id="{C6AE9C92-0D16-4D67-A105-49CCF2CBF3D2}"/>
+                <a16:creationId xmlns="" xmlns:a16="http://schemas.microsoft.com/office/drawing/2014/main" id="{C6AE9C92-0D16-4D67-A105-49CCF2CBF3D2}"/>
               </a:ext>
             </a:extLst>
           </p:cNvPr>
@@ -4363,7 +4431,7 @@
           <p:cNvPr id="4" name="Slide Number Placeholder 3">
             <a:extLst>
               <a:ext uri="{FF2B5EF4-FFF2-40B4-BE49-F238E27FC236}">
-                <a16:creationId xmlns:a16="http://schemas.microsoft.com/office/drawing/2014/main" id="{017ABB14-2C4A-4B6C-B35A-B6A2052A5574}"/>
+                <a16:creationId xmlns="" xmlns:a16="http://schemas.microsoft.com/office/drawing/2014/main" id="{017ABB14-2C4A-4B6C-B35A-B6A2052A5574}"/>
               </a:ext>
             </a:extLst>
           </p:cNvPr>
@@ -4428,7 +4496,7 @@
           <p:cNvPr id="2" name="Title 1">
             <a:extLst>
               <a:ext uri="{FF2B5EF4-FFF2-40B4-BE49-F238E27FC236}">
-                <a16:creationId xmlns:a16="http://schemas.microsoft.com/office/drawing/2014/main" id="{5D0D7FC7-79D6-476F-ABC1-48B608A26F7A}"/>
+                <a16:creationId xmlns="" xmlns:a16="http://schemas.microsoft.com/office/drawing/2014/main" id="{5D0D7FC7-79D6-476F-ABC1-48B608A26F7A}"/>
               </a:ext>
             </a:extLst>
           </p:cNvPr>
@@ -4456,7 +4524,7 @@
           <p:cNvPr id="3" name="Content Placeholder 2">
             <a:extLst>
               <a:ext uri="{FF2B5EF4-FFF2-40B4-BE49-F238E27FC236}">
-                <a16:creationId xmlns:a16="http://schemas.microsoft.com/office/drawing/2014/main" id="{539CD317-50CF-441A-BA11-DD2156E4BC84}"/>
+                <a16:creationId xmlns="" xmlns:a16="http://schemas.microsoft.com/office/drawing/2014/main" id="{539CD317-50CF-441A-BA11-DD2156E4BC84}"/>
               </a:ext>
             </a:extLst>
           </p:cNvPr>
@@ -4531,7 +4599,7 @@
           <p:cNvPr id="4" name="Slide Number Placeholder 3">
             <a:extLst>
               <a:ext uri="{FF2B5EF4-FFF2-40B4-BE49-F238E27FC236}">
-                <a16:creationId xmlns:a16="http://schemas.microsoft.com/office/drawing/2014/main" id="{1C121050-5413-4C94-BFAC-19E71F6D1343}"/>
+                <a16:creationId xmlns="" xmlns:a16="http://schemas.microsoft.com/office/drawing/2014/main" id="{1C121050-5413-4C94-BFAC-19E71F6D1343}"/>
               </a:ext>
             </a:extLst>
           </p:cNvPr>
@@ -4596,7 +4664,7 @@
           <p:cNvPr id="2" name="Title 1">
             <a:extLst>
               <a:ext uri="{FF2B5EF4-FFF2-40B4-BE49-F238E27FC236}">
-                <a16:creationId xmlns:a16="http://schemas.microsoft.com/office/drawing/2014/main" id="{0086105E-F901-4959-B144-84A46C0A478F}"/>
+                <a16:creationId xmlns="" xmlns:a16="http://schemas.microsoft.com/office/drawing/2014/main" id="{0086105E-F901-4959-B144-84A46C0A478F}"/>
               </a:ext>
             </a:extLst>
           </p:cNvPr>
@@ -4624,7 +4692,7 @@
           <p:cNvPr id="3" name="Content Placeholder 2">
             <a:extLst>
               <a:ext uri="{FF2B5EF4-FFF2-40B4-BE49-F238E27FC236}">
-                <a16:creationId xmlns:a16="http://schemas.microsoft.com/office/drawing/2014/main" id="{8DC559A3-4A85-4555-8D04-594B8F2A3100}"/>
+                <a16:creationId xmlns="" xmlns:a16="http://schemas.microsoft.com/office/drawing/2014/main" id="{8DC559A3-4A85-4555-8D04-594B8F2A3100}"/>
               </a:ext>
             </a:extLst>
           </p:cNvPr>
@@ -4668,7 +4736,7 @@
           <p:cNvPr id="4" name="Slide Number Placeholder 3">
             <a:extLst>
               <a:ext uri="{FF2B5EF4-FFF2-40B4-BE49-F238E27FC236}">
-                <a16:creationId xmlns:a16="http://schemas.microsoft.com/office/drawing/2014/main" id="{8E08BC2B-3DCC-45B2-9096-695FA9D2A662}"/>
+                <a16:creationId xmlns="" xmlns:a16="http://schemas.microsoft.com/office/drawing/2014/main" id="{8E08BC2B-3DCC-45B2-9096-695FA9D2A662}"/>
               </a:ext>
             </a:extLst>
           </p:cNvPr>
@@ -4733,7 +4801,7 @@
           <p:cNvPr id="2" name="Title 1">
             <a:extLst>
               <a:ext uri="{FF2B5EF4-FFF2-40B4-BE49-F238E27FC236}">
-                <a16:creationId xmlns:a16="http://schemas.microsoft.com/office/drawing/2014/main" id="{5DD8AAC4-B085-4B80-95E1-0A55F08866A1}"/>
+                <a16:creationId xmlns="" xmlns:a16="http://schemas.microsoft.com/office/drawing/2014/main" id="{5DD8AAC4-B085-4B80-95E1-0A55F08866A1}"/>
               </a:ext>
             </a:extLst>
           </p:cNvPr>
@@ -4761,7 +4829,7 @@
           <p:cNvPr id="3" name="Content Placeholder 2">
             <a:extLst>
               <a:ext uri="{FF2B5EF4-FFF2-40B4-BE49-F238E27FC236}">
-                <a16:creationId xmlns:a16="http://schemas.microsoft.com/office/drawing/2014/main" id="{D5DA94A3-7B13-4515-AB1F-DF359853947C}"/>
+                <a16:creationId xmlns="" xmlns:a16="http://schemas.microsoft.com/office/drawing/2014/main" id="{D5DA94A3-7B13-4515-AB1F-DF359853947C}"/>
               </a:ext>
             </a:extLst>
           </p:cNvPr>
@@ -4821,7 +4889,7 @@
           <p:cNvPr id="4" name="Slide Number Placeholder 3">
             <a:extLst>
               <a:ext uri="{FF2B5EF4-FFF2-40B4-BE49-F238E27FC236}">
-                <a16:creationId xmlns:a16="http://schemas.microsoft.com/office/drawing/2014/main" id="{9A68752C-E1FC-4421-A68A-D893520272E6}"/>
+                <a16:creationId xmlns="" xmlns:a16="http://schemas.microsoft.com/office/drawing/2014/main" id="{9A68752C-E1FC-4421-A68A-D893520272E6}"/>
               </a:ext>
             </a:extLst>
           </p:cNvPr>
@@ -4886,7 +4954,7 @@
           <p:cNvPr id="2" name="Title 1">
             <a:extLst>
               <a:ext uri="{FF2B5EF4-FFF2-40B4-BE49-F238E27FC236}">
-                <a16:creationId xmlns:a16="http://schemas.microsoft.com/office/drawing/2014/main" id="{3B594B82-CB4E-4304-964A-0E3410F27793}"/>
+                <a16:creationId xmlns="" xmlns:a16="http://schemas.microsoft.com/office/drawing/2014/main" id="{3B594B82-CB4E-4304-964A-0E3410F27793}"/>
               </a:ext>
             </a:extLst>
           </p:cNvPr>
@@ -4914,7 +4982,7 @@
           <p:cNvPr id="3" name="Content Placeholder 2">
             <a:extLst>
               <a:ext uri="{FF2B5EF4-FFF2-40B4-BE49-F238E27FC236}">
-                <a16:creationId xmlns:a16="http://schemas.microsoft.com/office/drawing/2014/main" id="{FC3B01C7-79F8-4D3E-937B-EBBA758A4DAE}"/>
+                <a16:creationId xmlns="" xmlns:a16="http://schemas.microsoft.com/office/drawing/2014/main" id="{FC3B01C7-79F8-4D3E-937B-EBBA758A4DAE}"/>
               </a:ext>
             </a:extLst>
           </p:cNvPr>
@@ -4970,7 +5038,7 @@
           <p:cNvPr id="4" name="Slide Number Placeholder 3">
             <a:extLst>
               <a:ext uri="{FF2B5EF4-FFF2-40B4-BE49-F238E27FC236}">
-                <a16:creationId xmlns:a16="http://schemas.microsoft.com/office/drawing/2014/main" id="{EDDCE1B3-B35E-494E-9203-FC031E2C0658}"/>
+                <a16:creationId xmlns="" xmlns:a16="http://schemas.microsoft.com/office/drawing/2014/main" id="{EDDCE1B3-B35E-494E-9203-FC031E2C0658}"/>
               </a:ext>
             </a:extLst>
           </p:cNvPr>
@@ -5035,7 +5103,7 @@
           <p:cNvPr id="2" name="Title 1">
             <a:extLst>
               <a:ext uri="{FF2B5EF4-FFF2-40B4-BE49-F238E27FC236}">
-                <a16:creationId xmlns:a16="http://schemas.microsoft.com/office/drawing/2014/main" id="{160FBF06-B5DD-45C3-B66F-B518C03D82DF}"/>
+                <a16:creationId xmlns="" xmlns:a16="http://schemas.microsoft.com/office/drawing/2014/main" id="{160FBF06-B5DD-45C3-B66F-B518C03D82DF}"/>
               </a:ext>
             </a:extLst>
           </p:cNvPr>
@@ -5063,7 +5131,7 @@
           <p:cNvPr id="3" name="Content Placeholder 2">
             <a:extLst>
               <a:ext uri="{FF2B5EF4-FFF2-40B4-BE49-F238E27FC236}">
-                <a16:creationId xmlns:a16="http://schemas.microsoft.com/office/drawing/2014/main" id="{A529BB2B-545B-4D10-93FE-37C8475AFFA7}"/>
+                <a16:creationId xmlns="" xmlns:a16="http://schemas.microsoft.com/office/drawing/2014/main" id="{A529BB2B-545B-4D10-93FE-37C8475AFFA7}"/>
               </a:ext>
             </a:extLst>
           </p:cNvPr>
@@ -5132,7 +5200,7 @@
           <p:cNvPr id="4" name="Slide Number Placeholder 3">
             <a:extLst>
               <a:ext uri="{FF2B5EF4-FFF2-40B4-BE49-F238E27FC236}">
-                <a16:creationId xmlns:a16="http://schemas.microsoft.com/office/drawing/2014/main" id="{76859970-ADC4-4ACE-86C4-51C4C1506E93}"/>
+                <a16:creationId xmlns="" xmlns:a16="http://schemas.microsoft.com/office/drawing/2014/main" id="{76859970-ADC4-4ACE-86C4-51C4C1506E93}"/>
               </a:ext>
             </a:extLst>
           </p:cNvPr>
@@ -5197,7 +5265,7 @@
           <p:cNvPr id="11" name="Title 10">
             <a:extLst>
               <a:ext uri="{FF2B5EF4-FFF2-40B4-BE49-F238E27FC236}">
-                <a16:creationId xmlns:a16="http://schemas.microsoft.com/office/drawing/2014/main" id="{1F52A716-5142-4987-84C0-078D1007C406}"/>
+                <a16:creationId xmlns="" xmlns:a16="http://schemas.microsoft.com/office/drawing/2014/main" id="{1F52A716-5142-4987-84C0-078D1007C406}"/>
               </a:ext>
             </a:extLst>
           </p:cNvPr>
@@ -5222,7 +5290,7 @@
           <p:cNvPr id="7" name="Slide Number Placeholder 6">
             <a:extLst>
               <a:ext uri="{FF2B5EF4-FFF2-40B4-BE49-F238E27FC236}">
-                <a16:creationId xmlns:a16="http://schemas.microsoft.com/office/drawing/2014/main" id="{27B55DC7-B95B-4807-B808-1E7A81E0F45A}"/>
+                <a16:creationId xmlns="" xmlns:a16="http://schemas.microsoft.com/office/drawing/2014/main" id="{27B55DC7-B95B-4807-B808-1E7A81E0F45A}"/>
               </a:ext>
             </a:extLst>
           </p:cNvPr>
@@ -5343,7 +5411,7 @@
           <p:cNvPr id="3" name="Slide Number Placeholder 2">
             <a:extLst>
               <a:ext uri="{FF2B5EF4-FFF2-40B4-BE49-F238E27FC236}">
-                <a16:creationId xmlns:a16="http://schemas.microsoft.com/office/drawing/2014/main" id="{0B1163B0-19D9-4859-8B88-CD4B646011C3}"/>
+                <a16:creationId xmlns="" xmlns:a16="http://schemas.microsoft.com/office/drawing/2014/main" id="{0B1163B0-19D9-4859-8B88-CD4B646011C3}"/>
               </a:ext>
             </a:extLst>
           </p:cNvPr>
@@ -5406,7 +5474,7 @@
           <p:cNvPr id="2" name="Title 1">
             <a:extLst>
               <a:ext uri="{FF2B5EF4-FFF2-40B4-BE49-F238E27FC236}">
-                <a16:creationId xmlns:a16="http://schemas.microsoft.com/office/drawing/2014/main" id="{3DE05BA4-E62A-4EBC-8FA2-CAE57C5FA2B7}"/>
+                <a16:creationId xmlns="" xmlns:a16="http://schemas.microsoft.com/office/drawing/2014/main" id="{3DE05BA4-E62A-4EBC-8FA2-CAE57C5FA2B7}"/>
               </a:ext>
             </a:extLst>
           </p:cNvPr>
@@ -5434,7 +5502,7 @@
           <p:cNvPr id="3" name="Content Placeholder 2">
             <a:extLst>
               <a:ext uri="{FF2B5EF4-FFF2-40B4-BE49-F238E27FC236}">
-                <a16:creationId xmlns:a16="http://schemas.microsoft.com/office/drawing/2014/main" id="{D81433C6-CAB0-43F8-8B56-B9478B587654}"/>
+                <a16:creationId xmlns="" xmlns:a16="http://schemas.microsoft.com/office/drawing/2014/main" id="{D81433C6-CAB0-43F8-8B56-B9478B587654}"/>
               </a:ext>
             </a:extLst>
           </p:cNvPr>
@@ -5532,7 +5600,7 @@
           <p:cNvPr id="4" name="Slide Number Placeholder 3">
             <a:extLst>
               <a:ext uri="{FF2B5EF4-FFF2-40B4-BE49-F238E27FC236}">
-                <a16:creationId xmlns:a16="http://schemas.microsoft.com/office/drawing/2014/main" id="{FC4325F3-CD6D-4A34-9D37-C52483853620}"/>
+                <a16:creationId xmlns="" xmlns:a16="http://schemas.microsoft.com/office/drawing/2014/main" id="{FC4325F3-CD6D-4A34-9D37-C52483853620}"/>
               </a:ext>
             </a:extLst>
           </p:cNvPr>
@@ -5600,7 +5668,7 @@
           <p:cNvPr id="2" name="Title 1">
             <a:extLst>
               <a:ext uri="{FF2B5EF4-FFF2-40B4-BE49-F238E27FC236}">
-                <a16:creationId xmlns:a16="http://schemas.microsoft.com/office/drawing/2014/main" id="{E89F7AD6-B081-4D5D-A2F7-B431974716AA}"/>
+                <a16:creationId xmlns="" xmlns:a16="http://schemas.microsoft.com/office/drawing/2014/main" id="{E89F7AD6-B081-4D5D-A2F7-B431974716AA}"/>
               </a:ext>
             </a:extLst>
           </p:cNvPr>
@@ -5628,7 +5696,7 @@
           <p:cNvPr id="3" name="Content Placeholder 2">
             <a:extLst>
               <a:ext uri="{FF2B5EF4-FFF2-40B4-BE49-F238E27FC236}">
-                <a16:creationId xmlns:a16="http://schemas.microsoft.com/office/drawing/2014/main" id="{8A045202-0095-4827-9866-E3749F815F39}"/>
+                <a16:creationId xmlns="" xmlns:a16="http://schemas.microsoft.com/office/drawing/2014/main" id="{8A045202-0095-4827-9866-E3749F815F39}"/>
               </a:ext>
             </a:extLst>
           </p:cNvPr>
@@ -5698,7 +5766,7 @@
           <p:cNvPr id="4" name="Slide Number Placeholder 3">
             <a:extLst>
               <a:ext uri="{FF2B5EF4-FFF2-40B4-BE49-F238E27FC236}">
-                <a16:creationId xmlns:a16="http://schemas.microsoft.com/office/drawing/2014/main" id="{032EAB6A-47ED-43AF-A4CB-9617B3E50E1E}"/>
+                <a16:creationId xmlns="" xmlns:a16="http://schemas.microsoft.com/office/drawing/2014/main" id="{032EAB6A-47ED-43AF-A4CB-9617B3E50E1E}"/>
               </a:ext>
             </a:extLst>
           </p:cNvPr>
@@ -5766,7 +5834,7 @@
           <p:cNvPr id="2" name="Title 1">
             <a:extLst>
               <a:ext uri="{FF2B5EF4-FFF2-40B4-BE49-F238E27FC236}">
-                <a16:creationId xmlns:a16="http://schemas.microsoft.com/office/drawing/2014/main" id="{CC79099C-56D7-4CE4-900F-183107F69FC3}"/>
+                <a16:creationId xmlns="" xmlns:a16="http://schemas.microsoft.com/office/drawing/2014/main" id="{CC79099C-56D7-4CE4-900F-183107F69FC3}"/>
               </a:ext>
             </a:extLst>
           </p:cNvPr>
@@ -5794,7 +5862,7 @@
           <p:cNvPr id="3" name="Content Placeholder 2">
             <a:extLst>
               <a:ext uri="{FF2B5EF4-FFF2-40B4-BE49-F238E27FC236}">
-                <a16:creationId xmlns:a16="http://schemas.microsoft.com/office/drawing/2014/main" id="{4C1D6C3B-49D1-4560-BFDB-04833FF7C7DA}"/>
+                <a16:creationId xmlns="" xmlns:a16="http://schemas.microsoft.com/office/drawing/2014/main" id="{4C1D6C3B-49D1-4560-BFDB-04833FF7C7DA}"/>
               </a:ext>
             </a:extLst>
           </p:cNvPr>
@@ -5860,7 +5928,7 @@
           <p:cNvPr id="4" name="Slide Number Placeholder 3">
             <a:extLst>
               <a:ext uri="{FF2B5EF4-FFF2-40B4-BE49-F238E27FC236}">
-                <a16:creationId xmlns:a16="http://schemas.microsoft.com/office/drawing/2014/main" id="{DCD8841D-05CD-4A6C-A744-D35FCED4F3F1}"/>
+                <a16:creationId xmlns="" xmlns:a16="http://schemas.microsoft.com/office/drawing/2014/main" id="{DCD8841D-05CD-4A6C-A744-D35FCED4F3F1}"/>
               </a:ext>
             </a:extLst>
           </p:cNvPr>
@@ -5928,7 +5996,7 @@
           <p:cNvPr id="2" name="Title 1">
             <a:extLst>
               <a:ext uri="{FF2B5EF4-FFF2-40B4-BE49-F238E27FC236}">
-                <a16:creationId xmlns:a16="http://schemas.microsoft.com/office/drawing/2014/main" id="{E89F7AD6-B081-4D5D-A2F7-B431974716AA}"/>
+                <a16:creationId xmlns="" xmlns:a16="http://schemas.microsoft.com/office/drawing/2014/main" id="{E89F7AD6-B081-4D5D-A2F7-B431974716AA}"/>
               </a:ext>
             </a:extLst>
           </p:cNvPr>
@@ -5957,7 +6025,7 @@
           <p:cNvPr id="3" name="Content Placeholder 2">
             <a:extLst>
               <a:ext uri="{FF2B5EF4-FFF2-40B4-BE49-F238E27FC236}">
-                <a16:creationId xmlns:a16="http://schemas.microsoft.com/office/drawing/2014/main" id="{8A045202-0095-4827-9866-E3749F815F39}"/>
+                <a16:creationId xmlns="" xmlns:a16="http://schemas.microsoft.com/office/drawing/2014/main" id="{8A045202-0095-4827-9866-E3749F815F39}"/>
               </a:ext>
             </a:extLst>
           </p:cNvPr>
@@ -6024,7 +6092,7 @@
           <p:cNvPr id="4" name="Slide Number Placeholder 3">
             <a:extLst>
               <a:ext uri="{FF2B5EF4-FFF2-40B4-BE49-F238E27FC236}">
-                <a16:creationId xmlns:a16="http://schemas.microsoft.com/office/drawing/2014/main" id="{032EAB6A-47ED-43AF-A4CB-9617B3E50E1E}"/>
+                <a16:creationId xmlns="" xmlns:a16="http://schemas.microsoft.com/office/drawing/2014/main" id="{032EAB6A-47ED-43AF-A4CB-9617B3E50E1E}"/>
               </a:ext>
             </a:extLst>
           </p:cNvPr>
@@ -6092,7 +6160,7 @@
           <p:cNvPr id="2" name="Title 1">
             <a:extLst>
               <a:ext uri="{FF2B5EF4-FFF2-40B4-BE49-F238E27FC236}">
-                <a16:creationId xmlns:a16="http://schemas.microsoft.com/office/drawing/2014/main" id="{76CC8A22-CD2E-42B4-A1DE-8CF0BA1D2B07}"/>
+                <a16:creationId xmlns="" xmlns:a16="http://schemas.microsoft.com/office/drawing/2014/main" id="{76CC8A22-CD2E-42B4-A1DE-8CF0BA1D2B07}"/>
               </a:ext>
             </a:extLst>
           </p:cNvPr>
@@ -6120,7 +6188,7 @@
           <p:cNvPr id="3" name="Content Placeholder 2">
             <a:extLst>
               <a:ext uri="{FF2B5EF4-FFF2-40B4-BE49-F238E27FC236}">
-                <a16:creationId xmlns:a16="http://schemas.microsoft.com/office/drawing/2014/main" id="{5503EF26-682D-495D-99D1-6C75731A6E51}"/>
+                <a16:creationId xmlns="" xmlns:a16="http://schemas.microsoft.com/office/drawing/2014/main" id="{5503EF26-682D-495D-99D1-6C75731A6E51}"/>
               </a:ext>
             </a:extLst>
           </p:cNvPr>
@@ -6200,7 +6268,7 @@
           <p:cNvPr id="4" name="Slide Number Placeholder 3">
             <a:extLst>
               <a:ext uri="{FF2B5EF4-FFF2-40B4-BE49-F238E27FC236}">
-                <a16:creationId xmlns:a16="http://schemas.microsoft.com/office/drawing/2014/main" id="{EA44B84D-75E9-4B54-8348-0AFA16BE8465}"/>
+                <a16:creationId xmlns="" xmlns:a16="http://schemas.microsoft.com/office/drawing/2014/main" id="{EA44B84D-75E9-4B54-8348-0AFA16BE8465}"/>
               </a:ext>
             </a:extLst>
           </p:cNvPr>
@@ -6268,7 +6336,7 @@
           <p:cNvPr id="2" name="Title 1">
             <a:extLst>
               <a:ext uri="{FF2B5EF4-FFF2-40B4-BE49-F238E27FC236}">
-                <a16:creationId xmlns:a16="http://schemas.microsoft.com/office/drawing/2014/main" id="{2F752D2C-30C8-47AA-A803-1E02C6691422}"/>
+                <a16:creationId xmlns="" xmlns:a16="http://schemas.microsoft.com/office/drawing/2014/main" id="{2F752D2C-30C8-47AA-A803-1E02C6691422}"/>
               </a:ext>
             </a:extLst>
           </p:cNvPr>
@@ -6296,7 +6364,7 @@
           <p:cNvPr id="3" name="Content Placeholder 2">
             <a:extLst>
               <a:ext uri="{FF2B5EF4-FFF2-40B4-BE49-F238E27FC236}">
-                <a16:creationId xmlns:a16="http://schemas.microsoft.com/office/drawing/2014/main" id="{F8925BA1-5891-4EA3-A590-39C2E6C6EB18}"/>
+                <a16:creationId xmlns="" xmlns:a16="http://schemas.microsoft.com/office/drawing/2014/main" id="{F8925BA1-5891-4EA3-A590-39C2E6C6EB18}"/>
               </a:ext>
             </a:extLst>
           </p:cNvPr>
@@ -6413,7 +6481,7 @@
           <p:cNvPr id="4" name="Slide Number Placeholder 3">
             <a:extLst>
               <a:ext uri="{FF2B5EF4-FFF2-40B4-BE49-F238E27FC236}">
-                <a16:creationId xmlns:a16="http://schemas.microsoft.com/office/drawing/2014/main" id="{F4CCC981-44F4-479D-8299-48857F029D83}"/>
+                <a16:creationId xmlns="" xmlns:a16="http://schemas.microsoft.com/office/drawing/2014/main" id="{F4CCC981-44F4-479D-8299-48857F029D83}"/>
               </a:ext>
             </a:extLst>
           </p:cNvPr>
@@ -6478,7 +6546,7 @@
           <p:cNvPr id="2" name="Title 1">
             <a:extLst>
               <a:ext uri="{FF2B5EF4-FFF2-40B4-BE49-F238E27FC236}">
-                <a16:creationId xmlns:a16="http://schemas.microsoft.com/office/drawing/2014/main" id="{B5985EC4-273A-4829-9B66-E8CEFD777485}"/>
+                <a16:creationId xmlns="" xmlns:a16="http://schemas.microsoft.com/office/drawing/2014/main" id="{B5985EC4-273A-4829-9B66-E8CEFD777485}"/>
               </a:ext>
             </a:extLst>
           </p:cNvPr>
@@ -6506,7 +6574,7 @@
           <p:cNvPr id="3" name="Content Placeholder 2">
             <a:extLst>
               <a:ext uri="{FF2B5EF4-FFF2-40B4-BE49-F238E27FC236}">
-                <a16:creationId xmlns:a16="http://schemas.microsoft.com/office/drawing/2014/main" id="{F32F8D5A-1D45-44F2-BE63-B51D824DD880}"/>
+                <a16:creationId xmlns="" xmlns:a16="http://schemas.microsoft.com/office/drawing/2014/main" id="{F32F8D5A-1D45-44F2-BE63-B51D824DD880}"/>
               </a:ext>
             </a:extLst>
           </p:cNvPr>
@@ -6599,7 +6667,7 @@
           <p:cNvPr id="4" name="Slide Number Placeholder 3">
             <a:extLst>
               <a:ext uri="{FF2B5EF4-FFF2-40B4-BE49-F238E27FC236}">
-                <a16:creationId xmlns:a16="http://schemas.microsoft.com/office/drawing/2014/main" id="{A2028F9A-D66F-447B-8366-645CAC965775}"/>
+                <a16:creationId xmlns="" xmlns:a16="http://schemas.microsoft.com/office/drawing/2014/main" id="{A2028F9A-D66F-447B-8366-645CAC965775}"/>
               </a:ext>
             </a:extLst>
           </p:cNvPr>

--- a/Common-and-Prerequisite-Material/Module_Legal/Lesson_2_LegalAspects_Intellectual_Property.pptx
+++ b/Common-and-Prerequisite-Material/Module_Legal/Lesson_2_LegalAspects_Intellectual_Property.pptx
@@ -23,7 +23,7 @@
     <p:sldId id="346" r:id="rId14"/>
     <p:sldId id="347" r:id="rId15"/>
     <p:sldId id="342" r:id="rId16"/>
-    <p:sldId id="333" r:id="rId17"/>
+    <p:sldId id="348" r:id="rId17"/>
   </p:sldIdLst>
   <p:sldSz cx="9144000" cy="6858000" type="screen4x3"/>
   <p:notesSz cx="7315200" cy="9601200"/>
@@ -283,7 +283,7 @@
               <a:pPr>
                 <a:defRPr/>
               </a:pPr>
-              <a:t>4/19/18</a:t>
+              <a:t>4/24/18</a:t>
             </a:fld>
             <a:endParaRPr lang="en-US"/>
           </a:p>
@@ -1132,7 +1132,7 @@
     </p:spTree>
     <p:extLst>
       <p:ext uri="{BB962C8B-B14F-4D97-AF65-F5344CB8AC3E}">
-        <p14:creationId xmlns:p14="http://schemas.microsoft.com/office/powerpoint/2010/main" val="2433617412"/>
+        <p14:creationId xmlns:p14="http://schemas.microsoft.com/office/powerpoint/2010/main" val="1055189922"/>
       </p:ext>
     </p:extLst>
   </p:cSld>
@@ -3096,7 +3096,7 @@
           <p:cNvPr id="2" name="Title 1">
             <a:extLst>
               <a:ext uri="{FF2B5EF4-FFF2-40B4-BE49-F238E27FC236}">
-                <a16:creationId xmlns="" xmlns:a16="http://schemas.microsoft.com/office/drawing/2014/main" id="{5C287DE2-E1A2-4F41-96FE-94AF4425CB03}"/>
+                <a16:creationId xmlns:a16="http://schemas.microsoft.com/office/drawing/2014/main" xmlns="" id="{5C287DE2-E1A2-4F41-96FE-94AF4425CB03}"/>
               </a:ext>
             </a:extLst>
           </p:cNvPr>
@@ -3235,7 +3235,7 @@
           <p:cNvPr id="3" name="Slide Number Placeholder 2">
             <a:extLst>
               <a:ext uri="{FF2B5EF4-FFF2-40B4-BE49-F238E27FC236}">
-                <a16:creationId xmlns="" xmlns:a16="http://schemas.microsoft.com/office/drawing/2014/main" id="{7D2FFADE-E1BC-48C1-83AA-6DDDD39A33C4}"/>
+                <a16:creationId xmlns:a16="http://schemas.microsoft.com/office/drawing/2014/main" xmlns="" id="{7D2FFADE-E1BC-48C1-83AA-6DDDD39A33C4}"/>
               </a:ext>
             </a:extLst>
           </p:cNvPr>
@@ -3270,7 +3270,7 @@
           <p:cNvPr id="9" name="Picture 8">
             <a:extLst>
               <a:ext uri="{FF2B5EF4-FFF2-40B4-BE49-F238E27FC236}">
-                <a16:creationId xmlns="" xmlns:a16="http://schemas.microsoft.com/office/drawing/2014/main" id="{9CBFC76A-A606-42CF-BCDF-C73975C150B9}"/>
+                <a16:creationId xmlns:a16="http://schemas.microsoft.com/office/drawing/2014/main" xmlns="" id="{9CBFC76A-A606-42CF-BCDF-C73975C150B9}"/>
               </a:ext>
             </a:extLst>
           </p:cNvPr>
@@ -4336,7 +4336,7 @@
           <p:cNvPr id="2" name="Title 1">
             <a:extLst>
               <a:ext uri="{FF2B5EF4-FFF2-40B4-BE49-F238E27FC236}">
-                <a16:creationId xmlns="" xmlns:a16="http://schemas.microsoft.com/office/drawing/2014/main" id="{450B9C16-5348-43F8-A692-EC18E36BDDD6}"/>
+                <a16:creationId xmlns:a16="http://schemas.microsoft.com/office/drawing/2014/main" xmlns="" id="{450B9C16-5348-43F8-A692-EC18E36BDDD6}"/>
               </a:ext>
             </a:extLst>
           </p:cNvPr>
@@ -4364,7 +4364,7 @@
           <p:cNvPr id="3" name="Content Placeholder 2">
             <a:extLst>
               <a:ext uri="{FF2B5EF4-FFF2-40B4-BE49-F238E27FC236}">
-                <a16:creationId xmlns="" xmlns:a16="http://schemas.microsoft.com/office/drawing/2014/main" id="{C6AE9C92-0D16-4D67-A105-49CCF2CBF3D2}"/>
+                <a16:creationId xmlns:a16="http://schemas.microsoft.com/office/drawing/2014/main" xmlns="" id="{C6AE9C92-0D16-4D67-A105-49CCF2CBF3D2}"/>
               </a:ext>
             </a:extLst>
           </p:cNvPr>
@@ -4431,7 +4431,7 @@
           <p:cNvPr id="4" name="Slide Number Placeholder 3">
             <a:extLst>
               <a:ext uri="{FF2B5EF4-FFF2-40B4-BE49-F238E27FC236}">
-                <a16:creationId xmlns="" xmlns:a16="http://schemas.microsoft.com/office/drawing/2014/main" id="{017ABB14-2C4A-4B6C-B35A-B6A2052A5574}"/>
+                <a16:creationId xmlns:a16="http://schemas.microsoft.com/office/drawing/2014/main" xmlns="" id="{017ABB14-2C4A-4B6C-B35A-B6A2052A5574}"/>
               </a:ext>
             </a:extLst>
           </p:cNvPr>
@@ -4496,7 +4496,7 @@
           <p:cNvPr id="2" name="Title 1">
             <a:extLst>
               <a:ext uri="{FF2B5EF4-FFF2-40B4-BE49-F238E27FC236}">
-                <a16:creationId xmlns="" xmlns:a16="http://schemas.microsoft.com/office/drawing/2014/main" id="{5D0D7FC7-79D6-476F-ABC1-48B608A26F7A}"/>
+                <a16:creationId xmlns:a16="http://schemas.microsoft.com/office/drawing/2014/main" xmlns="" id="{5D0D7FC7-79D6-476F-ABC1-48B608A26F7A}"/>
               </a:ext>
             </a:extLst>
           </p:cNvPr>
@@ -4524,7 +4524,7 @@
           <p:cNvPr id="3" name="Content Placeholder 2">
             <a:extLst>
               <a:ext uri="{FF2B5EF4-FFF2-40B4-BE49-F238E27FC236}">
-                <a16:creationId xmlns="" xmlns:a16="http://schemas.microsoft.com/office/drawing/2014/main" id="{539CD317-50CF-441A-BA11-DD2156E4BC84}"/>
+                <a16:creationId xmlns:a16="http://schemas.microsoft.com/office/drawing/2014/main" xmlns="" id="{539CD317-50CF-441A-BA11-DD2156E4BC84}"/>
               </a:ext>
             </a:extLst>
           </p:cNvPr>
@@ -4599,7 +4599,7 @@
           <p:cNvPr id="4" name="Slide Number Placeholder 3">
             <a:extLst>
               <a:ext uri="{FF2B5EF4-FFF2-40B4-BE49-F238E27FC236}">
-                <a16:creationId xmlns="" xmlns:a16="http://schemas.microsoft.com/office/drawing/2014/main" id="{1C121050-5413-4C94-BFAC-19E71F6D1343}"/>
+                <a16:creationId xmlns:a16="http://schemas.microsoft.com/office/drawing/2014/main" xmlns="" id="{1C121050-5413-4C94-BFAC-19E71F6D1343}"/>
               </a:ext>
             </a:extLst>
           </p:cNvPr>
@@ -4664,7 +4664,7 @@
           <p:cNvPr id="2" name="Title 1">
             <a:extLst>
               <a:ext uri="{FF2B5EF4-FFF2-40B4-BE49-F238E27FC236}">
-                <a16:creationId xmlns="" xmlns:a16="http://schemas.microsoft.com/office/drawing/2014/main" id="{0086105E-F901-4959-B144-84A46C0A478F}"/>
+                <a16:creationId xmlns:a16="http://schemas.microsoft.com/office/drawing/2014/main" xmlns="" id="{0086105E-F901-4959-B144-84A46C0A478F}"/>
               </a:ext>
             </a:extLst>
           </p:cNvPr>
@@ -4692,7 +4692,7 @@
           <p:cNvPr id="3" name="Content Placeholder 2">
             <a:extLst>
               <a:ext uri="{FF2B5EF4-FFF2-40B4-BE49-F238E27FC236}">
-                <a16:creationId xmlns="" xmlns:a16="http://schemas.microsoft.com/office/drawing/2014/main" id="{8DC559A3-4A85-4555-8D04-594B8F2A3100}"/>
+                <a16:creationId xmlns:a16="http://schemas.microsoft.com/office/drawing/2014/main" xmlns="" id="{8DC559A3-4A85-4555-8D04-594B8F2A3100}"/>
               </a:ext>
             </a:extLst>
           </p:cNvPr>
@@ -4736,7 +4736,7 @@
           <p:cNvPr id="4" name="Slide Number Placeholder 3">
             <a:extLst>
               <a:ext uri="{FF2B5EF4-FFF2-40B4-BE49-F238E27FC236}">
-                <a16:creationId xmlns="" xmlns:a16="http://schemas.microsoft.com/office/drawing/2014/main" id="{8E08BC2B-3DCC-45B2-9096-695FA9D2A662}"/>
+                <a16:creationId xmlns:a16="http://schemas.microsoft.com/office/drawing/2014/main" xmlns="" id="{8E08BC2B-3DCC-45B2-9096-695FA9D2A662}"/>
               </a:ext>
             </a:extLst>
           </p:cNvPr>
@@ -4801,7 +4801,7 @@
           <p:cNvPr id="2" name="Title 1">
             <a:extLst>
               <a:ext uri="{FF2B5EF4-FFF2-40B4-BE49-F238E27FC236}">
-                <a16:creationId xmlns="" xmlns:a16="http://schemas.microsoft.com/office/drawing/2014/main" id="{5DD8AAC4-B085-4B80-95E1-0A55F08866A1}"/>
+                <a16:creationId xmlns:a16="http://schemas.microsoft.com/office/drawing/2014/main" xmlns="" id="{5DD8AAC4-B085-4B80-95E1-0A55F08866A1}"/>
               </a:ext>
             </a:extLst>
           </p:cNvPr>
@@ -4829,7 +4829,7 @@
           <p:cNvPr id="3" name="Content Placeholder 2">
             <a:extLst>
               <a:ext uri="{FF2B5EF4-FFF2-40B4-BE49-F238E27FC236}">
-                <a16:creationId xmlns="" xmlns:a16="http://schemas.microsoft.com/office/drawing/2014/main" id="{D5DA94A3-7B13-4515-AB1F-DF359853947C}"/>
+                <a16:creationId xmlns:a16="http://schemas.microsoft.com/office/drawing/2014/main" xmlns="" id="{D5DA94A3-7B13-4515-AB1F-DF359853947C}"/>
               </a:ext>
             </a:extLst>
           </p:cNvPr>
@@ -4889,7 +4889,7 @@
           <p:cNvPr id="4" name="Slide Number Placeholder 3">
             <a:extLst>
               <a:ext uri="{FF2B5EF4-FFF2-40B4-BE49-F238E27FC236}">
-                <a16:creationId xmlns="" xmlns:a16="http://schemas.microsoft.com/office/drawing/2014/main" id="{9A68752C-E1FC-4421-A68A-D893520272E6}"/>
+                <a16:creationId xmlns:a16="http://schemas.microsoft.com/office/drawing/2014/main" xmlns="" id="{9A68752C-E1FC-4421-A68A-D893520272E6}"/>
               </a:ext>
             </a:extLst>
           </p:cNvPr>
@@ -4954,7 +4954,7 @@
           <p:cNvPr id="2" name="Title 1">
             <a:extLst>
               <a:ext uri="{FF2B5EF4-FFF2-40B4-BE49-F238E27FC236}">
-                <a16:creationId xmlns="" xmlns:a16="http://schemas.microsoft.com/office/drawing/2014/main" id="{3B594B82-CB4E-4304-964A-0E3410F27793}"/>
+                <a16:creationId xmlns:a16="http://schemas.microsoft.com/office/drawing/2014/main" xmlns="" id="{3B594B82-CB4E-4304-964A-0E3410F27793}"/>
               </a:ext>
             </a:extLst>
           </p:cNvPr>
@@ -4982,7 +4982,7 @@
           <p:cNvPr id="3" name="Content Placeholder 2">
             <a:extLst>
               <a:ext uri="{FF2B5EF4-FFF2-40B4-BE49-F238E27FC236}">
-                <a16:creationId xmlns="" xmlns:a16="http://schemas.microsoft.com/office/drawing/2014/main" id="{FC3B01C7-79F8-4D3E-937B-EBBA758A4DAE}"/>
+                <a16:creationId xmlns:a16="http://schemas.microsoft.com/office/drawing/2014/main" xmlns="" id="{FC3B01C7-79F8-4D3E-937B-EBBA758A4DAE}"/>
               </a:ext>
             </a:extLst>
           </p:cNvPr>
@@ -5038,7 +5038,7 @@
           <p:cNvPr id="4" name="Slide Number Placeholder 3">
             <a:extLst>
               <a:ext uri="{FF2B5EF4-FFF2-40B4-BE49-F238E27FC236}">
-                <a16:creationId xmlns="" xmlns:a16="http://schemas.microsoft.com/office/drawing/2014/main" id="{EDDCE1B3-B35E-494E-9203-FC031E2C0658}"/>
+                <a16:creationId xmlns:a16="http://schemas.microsoft.com/office/drawing/2014/main" xmlns="" id="{EDDCE1B3-B35E-494E-9203-FC031E2C0658}"/>
               </a:ext>
             </a:extLst>
           </p:cNvPr>
@@ -5103,7 +5103,7 @@
           <p:cNvPr id="2" name="Title 1">
             <a:extLst>
               <a:ext uri="{FF2B5EF4-FFF2-40B4-BE49-F238E27FC236}">
-                <a16:creationId xmlns="" xmlns:a16="http://schemas.microsoft.com/office/drawing/2014/main" id="{160FBF06-B5DD-45C3-B66F-B518C03D82DF}"/>
+                <a16:creationId xmlns:a16="http://schemas.microsoft.com/office/drawing/2014/main" xmlns="" id="{160FBF06-B5DD-45C3-B66F-B518C03D82DF}"/>
               </a:ext>
             </a:extLst>
           </p:cNvPr>
@@ -5131,7 +5131,7 @@
           <p:cNvPr id="3" name="Content Placeholder 2">
             <a:extLst>
               <a:ext uri="{FF2B5EF4-FFF2-40B4-BE49-F238E27FC236}">
-                <a16:creationId xmlns="" xmlns:a16="http://schemas.microsoft.com/office/drawing/2014/main" id="{A529BB2B-545B-4D10-93FE-37C8475AFFA7}"/>
+                <a16:creationId xmlns:a16="http://schemas.microsoft.com/office/drawing/2014/main" xmlns="" id="{A529BB2B-545B-4D10-93FE-37C8475AFFA7}"/>
               </a:ext>
             </a:extLst>
           </p:cNvPr>
@@ -5200,7 +5200,7 @@
           <p:cNvPr id="4" name="Slide Number Placeholder 3">
             <a:extLst>
               <a:ext uri="{FF2B5EF4-FFF2-40B4-BE49-F238E27FC236}">
-                <a16:creationId xmlns="" xmlns:a16="http://schemas.microsoft.com/office/drawing/2014/main" id="{76859970-ADC4-4ACE-86C4-51C4C1506E93}"/>
+                <a16:creationId xmlns:a16="http://schemas.microsoft.com/office/drawing/2014/main" xmlns="" id="{76859970-ADC4-4ACE-86C4-51C4C1506E93}"/>
               </a:ext>
             </a:extLst>
           </p:cNvPr>
@@ -5262,31 +5262,6 @@
       </p:grpSpPr>
       <p:sp>
         <p:nvSpPr>
-          <p:cNvPr id="11" name="Title 10">
-            <a:extLst>
-              <a:ext uri="{FF2B5EF4-FFF2-40B4-BE49-F238E27FC236}">
-                <a16:creationId xmlns="" xmlns:a16="http://schemas.microsoft.com/office/drawing/2014/main" id="{1F52A716-5142-4987-84C0-078D1007C406}"/>
-              </a:ext>
-            </a:extLst>
-          </p:cNvPr>
-          <p:cNvSpPr>
-            <a:spLocks noGrp="1"/>
-          </p:cNvSpPr>
-          <p:nvPr>
-            <p:ph type="title"/>
-          </p:nvPr>
-        </p:nvSpPr>
-        <p:spPr/>
-        <p:txBody>
-          <a:bodyPr/>
-          <a:lstStyle/>
-          <a:p>
-            <a:endParaRPr lang="en-US" dirty="0"/>
-          </a:p>
-        </p:txBody>
-      </p:sp>
-      <p:sp>
-        <p:nvSpPr>
           <p:cNvPr id="7" name="Slide Number Placeholder 6">
             <a:extLst>
               <a:ext uri="{FF2B5EF4-FFF2-40B4-BE49-F238E27FC236}">
@@ -5315,13 +5290,333 @@
           </a:p>
         </p:txBody>
       </p:sp>
+      <p:sp>
+        <p:nvSpPr>
+          <p:cNvPr id="19" name="Text Placeholder 7">
+            <a:extLst>
+              <a:ext uri="{FF2B5EF4-FFF2-40B4-BE49-F238E27FC236}">
+                <a16:creationId xmlns="" xmlns:a16="http://schemas.microsoft.com/office/drawing/2014/main" id="{2785A2B3-FCF4-4D59-9841-12917D91B27A}"/>
+              </a:ext>
+            </a:extLst>
+          </p:cNvPr>
+          <p:cNvSpPr txBox="1">
+            <a:spLocks/>
+          </p:cNvSpPr>
+          <p:nvPr/>
+        </p:nvSpPr>
+        <p:spPr>
+          <a:xfrm>
+            <a:off x="725683" y="871606"/>
+            <a:ext cx="7893050" cy="5114787"/>
+          </a:xfrm>
+          <a:prstGeom prst="rect">
+            <a:avLst/>
+          </a:prstGeom>
+        </p:spPr>
+        <p:txBody>
+          <a:bodyPr/>
+          <a:lstStyle>
+            <a:lvl1pPr marL="0" indent="0" algn="ctr" defTabSz="685800" rtl="0" eaLnBrk="0" fontAlgn="base" hangingPunct="0">
+              <a:lnSpc>
+                <a:spcPct val="90000"/>
+              </a:lnSpc>
+              <a:spcBef>
+                <a:spcPts val="750"/>
+              </a:spcBef>
+              <a:spcAft>
+                <a:spcPct val="0"/>
+              </a:spcAft>
+              <a:buFont typeface="Arial" charset="0"/>
+              <a:buNone/>
+              <a:defRPr sz="1800" kern="1200">
+                <a:solidFill>
+                  <a:schemeClr val="tx1"/>
+                </a:solidFill>
+                <a:latin typeface="+mn-lt"/>
+                <a:ea typeface="+mn-ea"/>
+                <a:cs typeface="+mn-cs"/>
+              </a:defRPr>
+            </a:lvl1pPr>
+            <a:lvl2pPr marL="514350" indent="-171450" algn="l" defTabSz="685800" rtl="0" eaLnBrk="0" fontAlgn="base" hangingPunct="0">
+              <a:lnSpc>
+                <a:spcPct val="90000"/>
+              </a:lnSpc>
+              <a:spcBef>
+                <a:spcPts val="375"/>
+              </a:spcBef>
+              <a:spcAft>
+                <a:spcPct val="0"/>
+              </a:spcAft>
+              <a:buFont typeface="Arial" charset="0"/>
+              <a:buChar char="•"/>
+              <a:defRPr sz="2400" kern="1200">
+                <a:solidFill>
+                  <a:schemeClr val="tx1"/>
+                </a:solidFill>
+                <a:latin typeface="+mn-lt"/>
+                <a:ea typeface="+mn-ea"/>
+                <a:cs typeface="+mn-cs"/>
+              </a:defRPr>
+            </a:lvl2pPr>
+            <a:lvl3pPr marL="857250" indent="-171450" algn="l" defTabSz="685800" rtl="0" eaLnBrk="0" fontAlgn="base" hangingPunct="0">
+              <a:lnSpc>
+                <a:spcPct val="90000"/>
+              </a:lnSpc>
+              <a:spcBef>
+                <a:spcPts val="375"/>
+              </a:spcBef>
+              <a:spcAft>
+                <a:spcPct val="0"/>
+              </a:spcAft>
+              <a:buFont typeface="Arial" charset="0"/>
+              <a:buChar char="•"/>
+              <a:defRPr sz="1800" kern="1200">
+                <a:solidFill>
+                  <a:schemeClr val="tx1"/>
+                </a:solidFill>
+                <a:latin typeface="+mn-lt"/>
+                <a:ea typeface="+mn-ea"/>
+                <a:cs typeface="+mn-cs"/>
+              </a:defRPr>
+            </a:lvl3pPr>
+            <a:lvl4pPr marL="1200150" indent="-171450" algn="l" defTabSz="685800" rtl="0" eaLnBrk="0" fontAlgn="base" hangingPunct="0">
+              <a:lnSpc>
+                <a:spcPct val="90000"/>
+              </a:lnSpc>
+              <a:spcBef>
+                <a:spcPts val="375"/>
+              </a:spcBef>
+              <a:spcAft>
+                <a:spcPct val="0"/>
+              </a:spcAft>
+              <a:buFont typeface="Arial" charset="0"/>
+              <a:buChar char="•"/>
+              <a:defRPr sz="1600" kern="1200">
+                <a:solidFill>
+                  <a:schemeClr val="tx1"/>
+                </a:solidFill>
+                <a:latin typeface="+mn-lt"/>
+                <a:ea typeface="+mn-ea"/>
+                <a:cs typeface="+mn-cs"/>
+              </a:defRPr>
+            </a:lvl4pPr>
+            <a:lvl5pPr marL="1543050" indent="-171450" algn="l" defTabSz="685800" rtl="0" eaLnBrk="0" fontAlgn="base" hangingPunct="0">
+              <a:lnSpc>
+                <a:spcPct val="90000"/>
+              </a:lnSpc>
+              <a:spcBef>
+                <a:spcPts val="375"/>
+              </a:spcBef>
+              <a:spcAft>
+                <a:spcPct val="0"/>
+              </a:spcAft>
+              <a:buFont typeface="Arial" charset="0"/>
+              <a:buChar char="•"/>
+              <a:defRPr sz="1600" kern="1200">
+                <a:solidFill>
+                  <a:schemeClr val="tx1"/>
+                </a:solidFill>
+                <a:latin typeface="+mn-lt"/>
+                <a:ea typeface="+mn-ea"/>
+                <a:cs typeface="+mn-cs"/>
+              </a:defRPr>
+            </a:lvl5pPr>
+            <a:lvl6pPr marL="1885950" indent="-171450" algn="l" defTabSz="685800" rtl="0" eaLnBrk="1" latinLnBrk="0" hangingPunct="1">
+              <a:lnSpc>
+                <a:spcPct val="90000"/>
+              </a:lnSpc>
+              <a:spcBef>
+                <a:spcPts val="375"/>
+              </a:spcBef>
+              <a:buFont typeface="Arial" panose="020B0604020202020204" pitchFamily="34" charset="0"/>
+              <a:buChar char="•"/>
+              <a:defRPr sz="1350" kern="1200">
+                <a:solidFill>
+                  <a:schemeClr val="tx1"/>
+                </a:solidFill>
+                <a:latin typeface="+mn-lt"/>
+                <a:ea typeface="+mn-ea"/>
+                <a:cs typeface="+mn-cs"/>
+              </a:defRPr>
+            </a:lvl6pPr>
+            <a:lvl7pPr marL="2228850" indent="-171450" algn="l" defTabSz="685800" rtl="0" eaLnBrk="1" latinLnBrk="0" hangingPunct="1">
+              <a:lnSpc>
+                <a:spcPct val="90000"/>
+              </a:lnSpc>
+              <a:spcBef>
+                <a:spcPts val="375"/>
+              </a:spcBef>
+              <a:buFont typeface="Arial" panose="020B0604020202020204" pitchFamily="34" charset="0"/>
+              <a:buChar char="•"/>
+              <a:defRPr sz="1350" kern="1200">
+                <a:solidFill>
+                  <a:schemeClr val="tx1"/>
+                </a:solidFill>
+                <a:latin typeface="+mn-lt"/>
+                <a:ea typeface="+mn-ea"/>
+                <a:cs typeface="+mn-cs"/>
+              </a:defRPr>
+            </a:lvl7pPr>
+            <a:lvl8pPr marL="2571750" indent="-171450" algn="l" defTabSz="685800" rtl="0" eaLnBrk="1" latinLnBrk="0" hangingPunct="1">
+              <a:lnSpc>
+                <a:spcPct val="90000"/>
+              </a:lnSpc>
+              <a:spcBef>
+                <a:spcPts val="375"/>
+              </a:spcBef>
+              <a:buFont typeface="Arial" panose="020B0604020202020204" pitchFamily="34" charset="0"/>
+              <a:buChar char="•"/>
+              <a:defRPr sz="1350" kern="1200">
+                <a:solidFill>
+                  <a:schemeClr val="tx1"/>
+                </a:solidFill>
+                <a:latin typeface="+mn-lt"/>
+                <a:ea typeface="+mn-ea"/>
+                <a:cs typeface="+mn-cs"/>
+              </a:defRPr>
+            </a:lvl8pPr>
+            <a:lvl9pPr marL="2914650" indent="-171450" algn="l" defTabSz="685800" rtl="0" eaLnBrk="1" latinLnBrk="0" hangingPunct="1">
+              <a:lnSpc>
+                <a:spcPct val="90000"/>
+              </a:lnSpc>
+              <a:spcBef>
+                <a:spcPts val="375"/>
+              </a:spcBef>
+              <a:buFont typeface="Arial" panose="020B0604020202020204" pitchFamily="34" charset="0"/>
+              <a:buChar char="•"/>
+              <a:defRPr sz="1350" kern="1200">
+                <a:solidFill>
+                  <a:schemeClr val="tx1"/>
+                </a:solidFill>
+                <a:latin typeface="+mn-lt"/>
+                <a:ea typeface="+mn-ea"/>
+                <a:cs typeface="+mn-cs"/>
+              </a:defRPr>
+            </a:lvl9pPr>
+          </a:lstStyle>
+          <a:p>
+            <a:r>
+              <a:rPr lang="en-US" dirty="0"/>
+              <a:t>Please attribute Dr. Jim Alves-Foss and Dr. Jia Song, University of Idaho</a:t>
+            </a:r>
+            <a:br>
+              <a:rPr lang="en-US" dirty="0"/>
+            </a:br>
+            <a:r>
+              <a:rPr lang="en-US" dirty="0"/>
+              <a:t/>
+            </a:r>
+            <a:br>
+              <a:rPr lang="en-US" dirty="0"/>
+            </a:br>
+            <a:r>
+              <a:rPr lang="en-US" dirty="0"/>
+              <a:t/>
+            </a:r>
+            <a:br>
+              <a:rPr lang="en-US" dirty="0"/>
+            </a:br>
+            <a:r>
+              <a:rPr lang="en-US" dirty="0"/>
+              <a:t/>
+            </a:r>
+            <a:br>
+              <a:rPr lang="en-US" dirty="0"/>
+            </a:br>
+            <a:r>
+              <a:rPr lang="en-US" dirty="0"/>
+              <a:t/>
+            </a:r>
+            <a:br>
+              <a:rPr lang="en-US" dirty="0"/>
+            </a:br>
+            <a:r>
+              <a:rPr lang="en-US" dirty="0"/>
+              <a:t/>
+            </a:r>
+            <a:br>
+              <a:rPr lang="en-US" dirty="0"/>
+            </a:br>
+            <a:r>
+              <a:rPr lang="en-US" dirty="0"/>
+              <a:t/>
+            </a:r>
+            <a:br>
+              <a:rPr lang="en-US" dirty="0"/>
+            </a:br>
+            <a:r>
+              <a:rPr lang="en-US" dirty="0"/>
+              <a:t/>
+            </a:r>
+            <a:br>
+              <a:rPr lang="en-US" dirty="0"/>
+            </a:br>
+            <a:endParaRPr lang="en-US" dirty="0"/>
+          </a:p>
+          <a:p>
+            <a:r>
+              <a:rPr lang="en-US" sz="1600" dirty="0"/>
+              <a:t>Except where otherwise noted, this work is licensed under https://creativecommons.org/licenses/by-nc-sa/4.0/</a:t>
+            </a:r>
+            <a:br>
+              <a:rPr lang="en-US" sz="1600" dirty="0"/>
+            </a:br>
+            <a:r>
+              <a:rPr lang="en-US" sz="1600" dirty="0"/>
+              <a:t/>
+            </a:r>
+            <a:br>
+              <a:rPr lang="en-US" sz="1600" dirty="0"/>
+            </a:br>
+            <a:r>
+              <a:rPr lang="en-US" sz="1600" dirty="0"/>
+              <a:t>Not withstanding the non-commercial license terms, non-profit educational institutions are granted a non-exclusive license to adapt and use this material, with attribution.</a:t>
+            </a:r>
+            <a:br>
+              <a:rPr lang="en-US" sz="1600" dirty="0"/>
+            </a:br>
+            <a:r>
+              <a:rPr lang="en-US" sz="1600" dirty="0"/>
+              <a:t/>
+            </a:r>
+            <a:br>
+              <a:rPr lang="en-US" sz="1600" dirty="0"/>
+            </a:br>
+            <a:r>
+              <a:rPr lang="en-US" sz="1600" dirty="0"/>
+              <a:t>Creative Commons and the double C in a circle are registered trademarks of Creative commons in the United States and other countries. Third party marks and brands are the property of their respective holders</a:t>
+            </a:r>
+            <a:r>
+              <a:rPr lang="en-US" sz="1600" dirty="0" smtClean="0"/>
+              <a:t>.</a:t>
+            </a:r>
+          </a:p>
+          <a:p>
+            <a:r>
+              <a:rPr lang="en-US" sz="1600" dirty="0"/>
+              <a:t>Project sponsored by the National Security Agency under grant Number </a:t>
+            </a:r>
+            <a:r>
+              <a:rPr lang="en-US" sz="1600" dirty="0" smtClean="0"/>
+              <a:t>H98230-17-1-0199. The </a:t>
+            </a:r>
+            <a:r>
+              <a:rPr lang="en-US" sz="1600" dirty="0"/>
+              <a:t>United States Government is authorized to reproduce and distribute reprints notwithstanding any copyright notation herein.</a:t>
+            </a:r>
+          </a:p>
+          <a:p>
+            <a:endParaRPr lang="en-US" sz="1600" dirty="0"/>
+          </a:p>
+        </p:txBody>
+      </p:sp>
     </p:spTree>
     <p:custDataLst>
       <p:tags r:id="rId1"/>
     </p:custDataLst>
     <p:extLst>
       <p:ext uri="{BB962C8B-B14F-4D97-AF65-F5344CB8AC3E}">
-        <p14:creationId xmlns:p14="http://schemas.microsoft.com/office/powerpoint/2010/main" val="1892705052"/>
+        <p14:creationId xmlns:p14="http://schemas.microsoft.com/office/powerpoint/2010/main" val="1874367395"/>
       </p:ext>
     </p:extLst>
   </p:cSld>
@@ -5411,7 +5706,7 @@
           <p:cNvPr id="3" name="Slide Number Placeholder 2">
             <a:extLst>
               <a:ext uri="{FF2B5EF4-FFF2-40B4-BE49-F238E27FC236}">
-                <a16:creationId xmlns="" xmlns:a16="http://schemas.microsoft.com/office/drawing/2014/main" id="{0B1163B0-19D9-4859-8B88-CD4B646011C3}"/>
+                <a16:creationId xmlns:a16="http://schemas.microsoft.com/office/drawing/2014/main" xmlns="" id="{0B1163B0-19D9-4859-8B88-CD4B646011C3}"/>
               </a:ext>
             </a:extLst>
           </p:cNvPr>
@@ -5474,7 +5769,7 @@
           <p:cNvPr id="2" name="Title 1">
             <a:extLst>
               <a:ext uri="{FF2B5EF4-FFF2-40B4-BE49-F238E27FC236}">
-                <a16:creationId xmlns="" xmlns:a16="http://schemas.microsoft.com/office/drawing/2014/main" id="{3DE05BA4-E62A-4EBC-8FA2-CAE57C5FA2B7}"/>
+                <a16:creationId xmlns:a16="http://schemas.microsoft.com/office/drawing/2014/main" xmlns="" id="{3DE05BA4-E62A-4EBC-8FA2-CAE57C5FA2B7}"/>
               </a:ext>
             </a:extLst>
           </p:cNvPr>
@@ -5502,7 +5797,7 @@
           <p:cNvPr id="3" name="Content Placeholder 2">
             <a:extLst>
               <a:ext uri="{FF2B5EF4-FFF2-40B4-BE49-F238E27FC236}">
-                <a16:creationId xmlns="" xmlns:a16="http://schemas.microsoft.com/office/drawing/2014/main" id="{D81433C6-CAB0-43F8-8B56-B9478B587654}"/>
+                <a16:creationId xmlns:a16="http://schemas.microsoft.com/office/drawing/2014/main" xmlns="" id="{D81433C6-CAB0-43F8-8B56-B9478B587654}"/>
               </a:ext>
             </a:extLst>
           </p:cNvPr>
@@ -5600,7 +5895,7 @@
           <p:cNvPr id="4" name="Slide Number Placeholder 3">
             <a:extLst>
               <a:ext uri="{FF2B5EF4-FFF2-40B4-BE49-F238E27FC236}">
-                <a16:creationId xmlns="" xmlns:a16="http://schemas.microsoft.com/office/drawing/2014/main" id="{FC4325F3-CD6D-4A34-9D37-C52483853620}"/>
+                <a16:creationId xmlns:a16="http://schemas.microsoft.com/office/drawing/2014/main" xmlns="" id="{FC4325F3-CD6D-4A34-9D37-C52483853620}"/>
               </a:ext>
             </a:extLst>
           </p:cNvPr>
@@ -5668,7 +5963,7 @@
           <p:cNvPr id="2" name="Title 1">
             <a:extLst>
               <a:ext uri="{FF2B5EF4-FFF2-40B4-BE49-F238E27FC236}">
-                <a16:creationId xmlns="" xmlns:a16="http://schemas.microsoft.com/office/drawing/2014/main" id="{E89F7AD6-B081-4D5D-A2F7-B431974716AA}"/>
+                <a16:creationId xmlns:a16="http://schemas.microsoft.com/office/drawing/2014/main" xmlns="" id="{E89F7AD6-B081-4D5D-A2F7-B431974716AA}"/>
               </a:ext>
             </a:extLst>
           </p:cNvPr>
@@ -5696,7 +5991,7 @@
           <p:cNvPr id="3" name="Content Placeholder 2">
             <a:extLst>
               <a:ext uri="{FF2B5EF4-FFF2-40B4-BE49-F238E27FC236}">
-                <a16:creationId xmlns="" xmlns:a16="http://schemas.microsoft.com/office/drawing/2014/main" id="{8A045202-0095-4827-9866-E3749F815F39}"/>
+                <a16:creationId xmlns:a16="http://schemas.microsoft.com/office/drawing/2014/main" xmlns="" id="{8A045202-0095-4827-9866-E3749F815F39}"/>
               </a:ext>
             </a:extLst>
           </p:cNvPr>
@@ -5766,7 +6061,7 @@
           <p:cNvPr id="4" name="Slide Number Placeholder 3">
             <a:extLst>
               <a:ext uri="{FF2B5EF4-FFF2-40B4-BE49-F238E27FC236}">
-                <a16:creationId xmlns="" xmlns:a16="http://schemas.microsoft.com/office/drawing/2014/main" id="{032EAB6A-47ED-43AF-A4CB-9617B3E50E1E}"/>
+                <a16:creationId xmlns:a16="http://schemas.microsoft.com/office/drawing/2014/main" xmlns="" id="{032EAB6A-47ED-43AF-A4CB-9617B3E50E1E}"/>
               </a:ext>
             </a:extLst>
           </p:cNvPr>
@@ -5834,7 +6129,7 @@
           <p:cNvPr id="2" name="Title 1">
             <a:extLst>
               <a:ext uri="{FF2B5EF4-FFF2-40B4-BE49-F238E27FC236}">
-                <a16:creationId xmlns="" xmlns:a16="http://schemas.microsoft.com/office/drawing/2014/main" id="{CC79099C-56D7-4CE4-900F-183107F69FC3}"/>
+                <a16:creationId xmlns:a16="http://schemas.microsoft.com/office/drawing/2014/main" xmlns="" id="{CC79099C-56D7-4CE4-900F-183107F69FC3}"/>
               </a:ext>
             </a:extLst>
           </p:cNvPr>
@@ -5862,7 +6157,7 @@
           <p:cNvPr id="3" name="Content Placeholder 2">
             <a:extLst>
               <a:ext uri="{FF2B5EF4-FFF2-40B4-BE49-F238E27FC236}">
-                <a16:creationId xmlns="" xmlns:a16="http://schemas.microsoft.com/office/drawing/2014/main" id="{4C1D6C3B-49D1-4560-BFDB-04833FF7C7DA}"/>
+                <a16:creationId xmlns:a16="http://schemas.microsoft.com/office/drawing/2014/main" xmlns="" id="{4C1D6C3B-49D1-4560-BFDB-04833FF7C7DA}"/>
               </a:ext>
             </a:extLst>
           </p:cNvPr>
@@ -5928,7 +6223,7 @@
           <p:cNvPr id="4" name="Slide Number Placeholder 3">
             <a:extLst>
               <a:ext uri="{FF2B5EF4-FFF2-40B4-BE49-F238E27FC236}">
-                <a16:creationId xmlns="" xmlns:a16="http://schemas.microsoft.com/office/drawing/2014/main" id="{DCD8841D-05CD-4A6C-A744-D35FCED4F3F1}"/>
+                <a16:creationId xmlns:a16="http://schemas.microsoft.com/office/drawing/2014/main" xmlns="" id="{DCD8841D-05CD-4A6C-A744-D35FCED4F3F1}"/>
               </a:ext>
             </a:extLst>
           </p:cNvPr>
@@ -5996,7 +6291,7 @@
           <p:cNvPr id="2" name="Title 1">
             <a:extLst>
               <a:ext uri="{FF2B5EF4-FFF2-40B4-BE49-F238E27FC236}">
-                <a16:creationId xmlns="" xmlns:a16="http://schemas.microsoft.com/office/drawing/2014/main" id="{E89F7AD6-B081-4D5D-A2F7-B431974716AA}"/>
+                <a16:creationId xmlns:a16="http://schemas.microsoft.com/office/drawing/2014/main" xmlns="" id="{E89F7AD6-B081-4D5D-A2F7-B431974716AA}"/>
               </a:ext>
             </a:extLst>
           </p:cNvPr>
@@ -6025,7 +6320,7 @@
           <p:cNvPr id="3" name="Content Placeholder 2">
             <a:extLst>
               <a:ext uri="{FF2B5EF4-FFF2-40B4-BE49-F238E27FC236}">
-                <a16:creationId xmlns="" xmlns:a16="http://schemas.microsoft.com/office/drawing/2014/main" id="{8A045202-0095-4827-9866-E3749F815F39}"/>
+                <a16:creationId xmlns:a16="http://schemas.microsoft.com/office/drawing/2014/main" xmlns="" id="{8A045202-0095-4827-9866-E3749F815F39}"/>
               </a:ext>
             </a:extLst>
           </p:cNvPr>
@@ -6092,7 +6387,7 @@
           <p:cNvPr id="4" name="Slide Number Placeholder 3">
             <a:extLst>
               <a:ext uri="{FF2B5EF4-FFF2-40B4-BE49-F238E27FC236}">
-                <a16:creationId xmlns="" xmlns:a16="http://schemas.microsoft.com/office/drawing/2014/main" id="{032EAB6A-47ED-43AF-A4CB-9617B3E50E1E}"/>
+                <a16:creationId xmlns:a16="http://schemas.microsoft.com/office/drawing/2014/main" xmlns="" id="{032EAB6A-47ED-43AF-A4CB-9617B3E50E1E}"/>
               </a:ext>
             </a:extLst>
           </p:cNvPr>
@@ -6160,7 +6455,7 @@
           <p:cNvPr id="2" name="Title 1">
             <a:extLst>
               <a:ext uri="{FF2B5EF4-FFF2-40B4-BE49-F238E27FC236}">
-                <a16:creationId xmlns="" xmlns:a16="http://schemas.microsoft.com/office/drawing/2014/main" id="{76CC8A22-CD2E-42B4-A1DE-8CF0BA1D2B07}"/>
+                <a16:creationId xmlns:a16="http://schemas.microsoft.com/office/drawing/2014/main" xmlns="" id="{76CC8A22-CD2E-42B4-A1DE-8CF0BA1D2B07}"/>
               </a:ext>
             </a:extLst>
           </p:cNvPr>
@@ -6188,7 +6483,7 @@
           <p:cNvPr id="3" name="Content Placeholder 2">
             <a:extLst>
               <a:ext uri="{FF2B5EF4-FFF2-40B4-BE49-F238E27FC236}">
-                <a16:creationId xmlns="" xmlns:a16="http://schemas.microsoft.com/office/drawing/2014/main" id="{5503EF26-682D-495D-99D1-6C75731A6E51}"/>
+                <a16:creationId xmlns:a16="http://schemas.microsoft.com/office/drawing/2014/main" xmlns="" id="{5503EF26-682D-495D-99D1-6C75731A6E51}"/>
               </a:ext>
             </a:extLst>
           </p:cNvPr>
@@ -6268,7 +6563,7 @@
           <p:cNvPr id="4" name="Slide Number Placeholder 3">
             <a:extLst>
               <a:ext uri="{FF2B5EF4-FFF2-40B4-BE49-F238E27FC236}">
-                <a16:creationId xmlns="" xmlns:a16="http://schemas.microsoft.com/office/drawing/2014/main" id="{EA44B84D-75E9-4B54-8348-0AFA16BE8465}"/>
+                <a16:creationId xmlns:a16="http://schemas.microsoft.com/office/drawing/2014/main" xmlns="" id="{EA44B84D-75E9-4B54-8348-0AFA16BE8465}"/>
               </a:ext>
             </a:extLst>
           </p:cNvPr>
@@ -6336,7 +6631,7 @@
           <p:cNvPr id="2" name="Title 1">
             <a:extLst>
               <a:ext uri="{FF2B5EF4-FFF2-40B4-BE49-F238E27FC236}">
-                <a16:creationId xmlns="" xmlns:a16="http://schemas.microsoft.com/office/drawing/2014/main" id="{2F752D2C-30C8-47AA-A803-1E02C6691422}"/>
+                <a16:creationId xmlns:a16="http://schemas.microsoft.com/office/drawing/2014/main" xmlns="" id="{2F752D2C-30C8-47AA-A803-1E02C6691422}"/>
               </a:ext>
             </a:extLst>
           </p:cNvPr>
@@ -6364,7 +6659,7 @@
           <p:cNvPr id="3" name="Content Placeholder 2">
             <a:extLst>
               <a:ext uri="{FF2B5EF4-FFF2-40B4-BE49-F238E27FC236}">
-                <a16:creationId xmlns="" xmlns:a16="http://schemas.microsoft.com/office/drawing/2014/main" id="{F8925BA1-5891-4EA3-A590-39C2E6C6EB18}"/>
+                <a16:creationId xmlns:a16="http://schemas.microsoft.com/office/drawing/2014/main" xmlns="" id="{F8925BA1-5891-4EA3-A590-39C2E6C6EB18}"/>
               </a:ext>
             </a:extLst>
           </p:cNvPr>
@@ -6481,7 +6776,7 @@
           <p:cNvPr id="4" name="Slide Number Placeholder 3">
             <a:extLst>
               <a:ext uri="{FF2B5EF4-FFF2-40B4-BE49-F238E27FC236}">
-                <a16:creationId xmlns="" xmlns:a16="http://schemas.microsoft.com/office/drawing/2014/main" id="{F4CCC981-44F4-479D-8299-48857F029D83}"/>
+                <a16:creationId xmlns:a16="http://schemas.microsoft.com/office/drawing/2014/main" xmlns="" id="{F4CCC981-44F4-479D-8299-48857F029D83}"/>
               </a:ext>
             </a:extLst>
           </p:cNvPr>
@@ -6546,7 +6841,7 @@
           <p:cNvPr id="2" name="Title 1">
             <a:extLst>
               <a:ext uri="{FF2B5EF4-FFF2-40B4-BE49-F238E27FC236}">
-                <a16:creationId xmlns="" xmlns:a16="http://schemas.microsoft.com/office/drawing/2014/main" id="{B5985EC4-273A-4829-9B66-E8CEFD777485}"/>
+                <a16:creationId xmlns:a16="http://schemas.microsoft.com/office/drawing/2014/main" xmlns="" id="{B5985EC4-273A-4829-9B66-E8CEFD777485}"/>
               </a:ext>
             </a:extLst>
           </p:cNvPr>
@@ -6574,7 +6869,7 @@
           <p:cNvPr id="3" name="Content Placeholder 2">
             <a:extLst>
               <a:ext uri="{FF2B5EF4-FFF2-40B4-BE49-F238E27FC236}">
-                <a16:creationId xmlns="" xmlns:a16="http://schemas.microsoft.com/office/drawing/2014/main" id="{F32F8D5A-1D45-44F2-BE63-B51D824DD880}"/>
+                <a16:creationId xmlns:a16="http://schemas.microsoft.com/office/drawing/2014/main" xmlns="" id="{F32F8D5A-1D45-44F2-BE63-B51D824DD880}"/>
               </a:ext>
             </a:extLst>
           </p:cNvPr>
@@ -6667,7 +6962,7 @@
           <p:cNvPr id="4" name="Slide Number Placeholder 3">
             <a:extLst>
               <a:ext uri="{FF2B5EF4-FFF2-40B4-BE49-F238E27FC236}">
-                <a16:creationId xmlns="" xmlns:a16="http://schemas.microsoft.com/office/drawing/2014/main" id="{A2028F9A-D66F-447B-8366-645CAC965775}"/>
+                <a16:creationId xmlns:a16="http://schemas.microsoft.com/office/drawing/2014/main" xmlns="" id="{A2028F9A-D66F-447B-8366-645CAC965775}"/>
               </a:ext>
             </a:extLst>
           </p:cNvPr>
